--- a/Courses/Software-Sciences/Module-2-DS-and-Algo-New/16-Recursive-Algo-Backtracking/16-Recursive-Algo-Backtracking.pptx
+++ b/Courses/Software-Sciences/Module-2-DS-and-Algo-New/16-Recursive-Algo-Backtracking/16-Recursive-Algo-Backtracking.pptx
@@ -7954,7 +7954,7 @@
           <a:p>
             <a:fld id="{4E087215-0C8F-4762-A664-737A353EC9A4}" type="datetimeFigureOut">
               <a:rPr lang="bg-BG" smtClean="0"/>
-              <a:t>14.4.2023 г.</a:t>
+              <a:t>10.7.2023 г.</a:t>
             </a:fld>
             <a:endParaRPr lang="bg-BG" dirty="0"/>
           </a:p>
@@ -8145,7 +8145,7 @@
           <a:p>
             <a:fld id="{72D84649-876A-46C9-8472-14CB09C070D8}" type="datetimeFigureOut">
               <a:rPr lang="en-US" smtClean="0"/>
-              <a:t>4/14/2023</a:t>
+              <a:t>7/10/2023</a:t>
             </a:fld>
             <a:endParaRPr lang="en-US" dirty="0"/>
           </a:p>
@@ -18573,7 +18573,13 @@
               <a:rPr lang="en-US" sz="1999" dirty="0">
                 <a:hlinkClick r:id="rId4"/>
               </a:rPr>
-              <a:t>https://judge.softuni.bg/Contests/2726/Recursive-Algorithms</a:t>
+              <a:t>https</a:t>
+            </a:r>
+            <a:r>
+              <a:rPr lang="en-US" sz="1999" dirty="0">
+                <a:hlinkClick r:id="rId5"/>
+              </a:rPr>
+              <a:t>://judge.softuni.bg/Contests/2726/Recursive-Algorithms</a:t>
             </a:r>
             <a:endParaRPr lang="en-US" sz="1999" dirty="0"/>
           </a:p>
@@ -23470,7 +23476,7 @@
               <a:rPr lang="en-US" sz="1999" dirty="0">
                 <a:hlinkClick r:id="rId3"/>
               </a:rPr>
-              <a:t>https://judge.softuni.bg/Contests/2726/Recursive-Algorithms</a:t>
+              <a:t>https://judge.softuni.org/Contests/Practice/Index/4179#0</a:t>
             </a:r>
             <a:endParaRPr lang="en-US" sz="1999" dirty="0"/>
           </a:p>
